--- a/Präsentation Abschlussarbeit.pptx
+++ b/Präsentation Abschlussarbeit.pptx
@@ -5,7 +5,7 @@
     <p:sldMasterId id="2147483648" r:id="rId1"/>
   </p:sldMasterIdLst>
   <p:notesMasterIdLst>
-    <p:notesMasterId r:id="rId46"/>
+    <p:notesMasterId r:id="rId45"/>
   </p:notesMasterIdLst>
   <p:sldIdLst>
     <p:sldId id="256" r:id="rId2"/>
@@ -50,8 +50,7 @@
     <p:sldId id="310" r:id="rId41"/>
     <p:sldId id="313" r:id="rId42"/>
     <p:sldId id="311" r:id="rId43"/>
-    <p:sldId id="314" r:id="rId44"/>
-    <p:sldId id="315" r:id="rId45"/>
+    <p:sldId id="315" r:id="rId44"/>
   </p:sldIdLst>
   <p:sldSz cx="12192000" cy="6858000"/>
   <p:notesSz cx="6858000" cy="9144000"/>
@@ -4954,12 +4953,28 @@
         </p:nvSpPr>
         <p:spPr/>
         <p:txBody>
-          <a:bodyPr/>
+          <a:bodyPr>
+            <a:normAutofit/>
+          </a:bodyPr>
           <a:lstStyle/>
           <a:p>
             <a:r>
               <a:rPr lang="de-DE" dirty="0"/>
               <a:t>Teil der beliebtesten Sprache für Webentwicklung</a:t>
+            </a:r>
+          </a:p>
+          <a:p>
+            <a:r>
+              <a:rPr lang="de-DE" dirty="0"/>
+              <a:t>JavaScript-</a:t>
+            </a:r>
+            <a:r>
+              <a:rPr lang="de-DE" dirty="0" err="1"/>
+              <a:t>Toolset</a:t>
+            </a:r>
+            <a:r>
+              <a:rPr lang="de-DE" dirty="0"/>
+              <a:t> steht zur Verfügung </a:t>
             </a:r>
           </a:p>
           <a:p>
@@ -4990,20 +5005,6 @@
               <a:t>JSX  intuitiv, übersichtlich, gut testbar &amp; gute Performanz</a:t>
             </a:r>
             <a:endParaRPr lang="de-DE" dirty="0"/>
-          </a:p>
-          <a:p>
-            <a:r>
-              <a:rPr lang="de-DE" dirty="0"/>
-              <a:t>JavaScript-</a:t>
-            </a:r>
-            <a:r>
-              <a:rPr lang="de-DE" dirty="0" err="1"/>
-              <a:t>Toolset</a:t>
-            </a:r>
-            <a:r>
-              <a:rPr lang="de-DE" dirty="0"/>
-              <a:t> steht zur Verfügung </a:t>
-            </a:r>
           </a:p>
           <a:p>
             <a:r>
@@ -5899,7 +5900,7 @@
           <a:p>
             <a:r>
               <a:rPr lang="de-DE" dirty="0"/>
-              <a:t>-View-Komponenten</a:t>
+              <a:t>-View-Komponente</a:t>
             </a:r>
           </a:p>
           <a:p>
@@ -15744,115 +15745,6 @@
       </p:grpSpPr>
       <p:sp>
         <p:nvSpPr>
-          <p:cNvPr id="2" name="Titel 1">
-            <a:extLst>
-              <a:ext uri="{FF2B5EF4-FFF2-40B4-BE49-F238E27FC236}">
-                <a16:creationId xmlns:a16="http://schemas.microsoft.com/office/drawing/2014/main" id="{9D1116F4-5C98-4E65-AF33-652FCCB624B0}"/>
-              </a:ext>
-            </a:extLst>
-          </p:cNvPr>
-          <p:cNvSpPr>
-            <a:spLocks noGrp="1"/>
-          </p:cNvSpPr>
-          <p:nvPr>
-            <p:ph type="title"/>
-          </p:nvPr>
-        </p:nvSpPr>
-        <p:spPr/>
-        <p:txBody>
-          <a:bodyPr/>
-          <a:lstStyle/>
-          <a:p>
-            <a:endParaRPr lang="de-DE"/>
-          </a:p>
-        </p:txBody>
-      </p:sp>
-      <p:sp>
-        <p:nvSpPr>
-          <p:cNvPr id="3" name="Inhaltsplatzhalter 2">
-            <a:extLst>
-              <a:ext uri="{FF2B5EF4-FFF2-40B4-BE49-F238E27FC236}">
-                <a16:creationId xmlns:a16="http://schemas.microsoft.com/office/drawing/2014/main" id="{1F855A03-5B12-4C9D-A53D-5ECF66582FFD}"/>
-              </a:ext>
-            </a:extLst>
-          </p:cNvPr>
-          <p:cNvSpPr>
-            <a:spLocks noGrp="1"/>
-          </p:cNvSpPr>
-          <p:nvPr>
-            <p:ph idx="1"/>
-          </p:nvPr>
-        </p:nvSpPr>
-        <p:spPr/>
-        <p:txBody>
-          <a:bodyPr/>
-          <a:lstStyle/>
-          <a:p>
-            <a:endParaRPr lang="de-DE"/>
-          </a:p>
-        </p:txBody>
-      </p:sp>
-      <p:sp>
-        <p:nvSpPr>
-          <p:cNvPr id="4" name="Foliennummernplatzhalter 3">
-            <a:extLst>
-              <a:ext uri="{FF2B5EF4-FFF2-40B4-BE49-F238E27FC236}">
-                <a16:creationId xmlns:a16="http://schemas.microsoft.com/office/drawing/2014/main" id="{E66A611F-72EB-46EF-9290-4F7930CDD866}"/>
-              </a:ext>
-            </a:extLst>
-          </p:cNvPr>
-          <p:cNvSpPr>
-            <a:spLocks noGrp="1"/>
-          </p:cNvSpPr>
-          <p:nvPr>
-            <p:ph type="sldNum" sz="quarter" idx="12"/>
-          </p:nvPr>
-        </p:nvSpPr>
-        <p:spPr/>
-        <p:txBody>
-          <a:bodyPr/>
-          <a:lstStyle/>
-          <a:p>
-            <a:fld id="{66B649B1-67FB-4E02-AFFC-868C00F1D6B5}" type="slidenum">
-              <a:rPr lang="de-DE" smtClean="0"/>
-              <a:t>43</a:t>
-            </a:fld>
-            <a:endParaRPr lang="de-DE"/>
-          </a:p>
-        </p:txBody>
-      </p:sp>
-    </p:spTree>
-    <p:extLst>
-      <p:ext uri="{BB962C8B-B14F-4D97-AF65-F5344CB8AC3E}">
-        <p14:creationId xmlns:p14="http://schemas.microsoft.com/office/powerpoint/2010/main" val="1868739961"/>
-      </p:ext>
-    </p:extLst>
-  </p:cSld>
-  <p:clrMapOvr>
-    <a:masterClrMapping/>
-  </p:clrMapOvr>
-</p:sld>
-</file>
-
-<file path=ppt/slides/slide44.xml><?xml version="1.0" encoding="utf-8"?>
-<p:sld xmlns:a="http://schemas.openxmlformats.org/drawingml/2006/main" xmlns:r="http://schemas.openxmlformats.org/officeDocument/2006/relationships" xmlns:p="http://schemas.openxmlformats.org/presentationml/2006/main">
-  <p:cSld>
-    <p:spTree>
-      <p:nvGrpSpPr>
-        <p:cNvPr id="1" name=""/>
-        <p:cNvGrpSpPr/>
-        <p:nvPr/>
-      </p:nvGrpSpPr>
-      <p:grpSpPr>
-        <a:xfrm>
-          <a:off x="0" y="0"/>
-          <a:ext cx="0" cy="0"/>
-          <a:chOff x="0" y="0"/>
-          <a:chExt cx="0" cy="0"/>
-        </a:xfrm>
-      </p:grpSpPr>
-      <p:sp>
-        <p:nvSpPr>
           <p:cNvPr id="3" name="Rechteck 2">
             <a:extLst>
               <a:ext uri="{FF2B5EF4-FFF2-40B4-BE49-F238E27FC236}">
@@ -15963,7 +15855,7 @@
           <a:p>
             <a:fld id="{66B649B1-67FB-4E02-AFFC-868C00F1D6B5}" type="slidenum">
               <a:rPr lang="de-DE" smtClean="0"/>
-              <a:t>44</a:t>
+              <a:t>43</a:t>
             </a:fld>
             <a:endParaRPr lang="de-DE"/>
           </a:p>

--- a/Präsentation Abschlussarbeit.pptx
+++ b/Präsentation Abschlussarbeit.pptx
@@ -6089,7 +6089,7 @@
         </p:nvSpPr>
         <p:spPr>
           <a:xfrm>
-            <a:off x="2896993" y="6191548"/>
+            <a:off x="3116481" y="3953179"/>
             <a:ext cx="2298132" cy="276999"/>
           </a:xfrm>
           <a:prstGeom prst="rect">
@@ -6137,7 +6137,7 @@
         </p:nvSpPr>
         <p:spPr>
           <a:xfrm>
-            <a:off x="6745967" y="6121907"/>
+            <a:off x="6774836" y="3952865"/>
             <a:ext cx="1649349" cy="276999"/>
           </a:xfrm>
           <a:prstGeom prst="rect">
